--- a/MOC/Module 10 Azure Active Directory/20532C-10.pptx
+++ b/MOC/Module 10 Azure Active Directory/20532C-10.pptx
@@ -35,37 +35,41 @@
   <p:notesSz cx="6858000" cy="9144000"/>
   <p:embeddedFontLst>
     <p:embeddedFont>
-      <p:font typeface="Segoe" panose="020B0502040504020203" pitchFamily="34" charset="0"/>
+      <p:font typeface="Segoe" panose="020B0604020202020204" charset="0"/>
       <p:regular r:id="rId25"/>
       <p:bold r:id="rId26"/>
       <p:italic r:id="rId27"/>
       <p:boldItalic r:id="rId28"/>
     </p:embeddedFont>
     <p:embeddedFont>
-      <p:font typeface="Verdana" panose="020B0604030504040204" pitchFamily="34" charset="0"/>
+      <p:font typeface="Segoe Light" panose="020B0604020202020204" charset="0"/>
       <p:regular r:id="rId29"/>
-      <p:bold r:id="rId30"/>
-      <p:italic r:id="rId31"/>
-      <p:boldItalic r:id="rId32"/>
+      <p:italic r:id="rId30"/>
+    </p:embeddedFont>
+    <p:embeddedFont>
+      <p:font typeface="굴림" panose="020B0600000101010101" pitchFamily="34" charset="-127"/>
+      <p:regular r:id="rId31"/>
+    </p:embeddedFont>
+    <p:embeddedFont>
+      <p:font typeface="Calibri" panose="020F0502020204030204" pitchFamily="34" charset="0"/>
+      <p:regular r:id="rId32"/>
+      <p:bold r:id="rId33"/>
+      <p:italic r:id="rId34"/>
+      <p:boldItalic r:id="rId35"/>
     </p:embeddedFont>
     <p:embeddedFont>
       <p:font typeface="Segoe UI" panose="020B0502040204020203" pitchFamily="34" charset="0"/>
-      <p:regular r:id="rId33"/>
-      <p:bold r:id="rId34"/>
-      <p:italic r:id="rId35"/>
-      <p:boldItalic r:id="rId36"/>
+      <p:regular r:id="rId36"/>
+      <p:bold r:id="rId37"/>
+      <p:italic r:id="rId38"/>
+      <p:boldItalic r:id="rId39"/>
     </p:embeddedFont>
     <p:embeddedFont>
-      <p:font typeface="Segoe Light" panose="020B0302040504020203" pitchFamily="34" charset="0"/>
-      <p:regular r:id="rId37"/>
-      <p:italic r:id="rId38"/>
-    </p:embeddedFont>
-    <p:embeddedFont>
-      <p:font typeface="Calibri" panose="020F0502020204030204" pitchFamily="34" charset="0"/>
-      <p:regular r:id="rId39"/>
-      <p:bold r:id="rId40"/>
-      <p:italic r:id="rId41"/>
-      <p:boldItalic r:id="rId42"/>
+      <p:font typeface="Verdana" panose="020B0604030504040204" pitchFamily="34" charset="0"/>
+      <p:regular r:id="rId40"/>
+      <p:bold r:id="rId41"/>
+      <p:italic r:id="rId42"/>
+      <p:boldItalic r:id="rId43"/>
     </p:embeddedFont>
   </p:embeddedFontLst>
   <p:defaultTextStyle>
@@ -194,6 +198,10 @@
     </a:lvl9pPr>
   </p:defaultTextStyle>
 </p:presentation>
+</file>
+
+<file path=ppt/revisionInfo.xml><?xml version="1.0" encoding="utf-8"?>
+<p1510:revInfo xmlns:a="http://schemas.openxmlformats.org/drawingml/2006/main" xmlns:r="http://schemas.openxmlformats.org/officeDocument/2006/relationships" xmlns:p1510="http://schemas.microsoft.com/office/powerpoint/2015/10/main"/>
 </file>
 
 <file path=ppt/diagrams/colors1.xml><?xml version="1.0" encoding="utf-8"?>
@@ -1807,11 +1815,11 @@
     </dgm:pt>
   </dgm:ptLst>
   <dgm:cxnLst>
+    <dgm:cxn modelId="{A5CBCB10-6E9A-45BA-90BD-E5440E23291E}" srcId="{F6C8681A-6CF4-4B5C-9FA5-A7B8C1D8ED75}" destId="{34BEF3FD-7C3A-4FA1-9A3B-C3F74861F0AA}" srcOrd="0" destOrd="0" parTransId="{BFEA7B8B-56A3-46EC-9C9E-C5B84436F77B}" sibTransId="{2A5B1F36-2A0D-4C70-A2C2-733EA60A2292}"/>
+    <dgm:cxn modelId="{8D612033-D4CB-4CCF-8231-39848A1FD3FC}" type="presOf" srcId="{3D034C7D-9EB6-45D7-BB2B-6F9C001DE68D}" destId="{27498166-FAAE-4607-ADF1-ABDFA72BB732}" srcOrd="0" destOrd="0" presId="urn:microsoft.com/office/officeart/2005/8/layout/default"/>
     <dgm:cxn modelId="{70432E6D-3D31-4225-ABCD-1AE8A36A19F3}" type="presOf" srcId="{F6C8681A-6CF4-4B5C-9FA5-A7B8C1D8ED75}" destId="{C29840FB-DF4B-4FCA-B958-5630ADD38BEF}" srcOrd="0" destOrd="0" presId="urn:microsoft.com/office/officeart/2005/8/layout/default"/>
+    <dgm:cxn modelId="{06285155-BEEE-40C4-B16C-91A35F17FD24}" type="presOf" srcId="{34BEF3FD-7C3A-4FA1-9A3B-C3F74861F0AA}" destId="{3A6BBEFA-8D34-472A-A883-8A00FE719B3B}" srcOrd="0" destOrd="0" presId="urn:microsoft.com/office/officeart/2005/8/layout/default"/>
     <dgm:cxn modelId="{44BB76C0-0DBB-47C9-B0F3-6BD7CA59A0C6}" srcId="{F6C8681A-6CF4-4B5C-9FA5-A7B8C1D8ED75}" destId="{3D034C7D-9EB6-45D7-BB2B-6F9C001DE68D}" srcOrd="1" destOrd="0" parTransId="{5E7E859E-EDA1-48D2-BE8B-D136A5C0CE52}" sibTransId="{3C906CF7-8F2A-4B3D-90DF-2FE33F724A57}"/>
-    <dgm:cxn modelId="{8D612033-D4CB-4CCF-8231-39848A1FD3FC}" type="presOf" srcId="{3D034C7D-9EB6-45D7-BB2B-6F9C001DE68D}" destId="{27498166-FAAE-4607-ADF1-ABDFA72BB732}" srcOrd="0" destOrd="0" presId="urn:microsoft.com/office/officeart/2005/8/layout/default"/>
-    <dgm:cxn modelId="{06285155-BEEE-40C4-B16C-91A35F17FD24}" type="presOf" srcId="{34BEF3FD-7C3A-4FA1-9A3B-C3F74861F0AA}" destId="{3A6BBEFA-8D34-472A-A883-8A00FE719B3B}" srcOrd="0" destOrd="0" presId="urn:microsoft.com/office/officeart/2005/8/layout/default"/>
-    <dgm:cxn modelId="{A5CBCB10-6E9A-45BA-90BD-E5440E23291E}" srcId="{F6C8681A-6CF4-4B5C-9FA5-A7B8C1D8ED75}" destId="{34BEF3FD-7C3A-4FA1-9A3B-C3F74861F0AA}" srcOrd="0" destOrd="0" parTransId="{BFEA7B8B-56A3-46EC-9C9E-C5B84436F77B}" sibTransId="{2A5B1F36-2A0D-4C70-A2C2-733EA60A2292}"/>
     <dgm:cxn modelId="{6953B53E-29D9-4118-877E-6DDD310F0298}" type="presParOf" srcId="{C29840FB-DF4B-4FCA-B958-5630ADD38BEF}" destId="{3A6BBEFA-8D34-472A-A883-8A00FE719B3B}" srcOrd="0" destOrd="0" presId="urn:microsoft.com/office/officeart/2005/8/layout/default"/>
     <dgm:cxn modelId="{AD7543E4-9B00-4AD1-84DB-5B38C83FAC79}" type="presParOf" srcId="{C29840FB-DF4B-4FCA-B958-5630ADD38BEF}" destId="{6BA88AF4-F276-4C3D-89BD-890B0BE4CCEB}" srcOrd="1" destOrd="0" presId="urn:microsoft.com/office/officeart/2005/8/layout/default"/>
     <dgm:cxn modelId="{65D1AF0A-AE88-4BA1-98C8-4DBDE7ECD6C0}" type="presParOf" srcId="{C29840FB-DF4B-4FCA-B958-5630ADD38BEF}" destId="{27498166-FAAE-4607-ADF1-ABDFA72BB732}" srcOrd="2" destOrd="0" presId="urn:microsoft.com/office/officeart/2005/8/layout/default"/>
@@ -1996,13 +2004,13 @@
     </dgm:pt>
   </dgm:ptLst>
   <dgm:cxnLst>
-    <dgm:cxn modelId="{BD25DDC7-B9BA-4549-AE3F-E2CFE61842D4}" type="presOf" srcId="{4E5E3BFF-BEC4-4DFC-BFE0-6190ED75B682}" destId="{CCEA2E33-D919-4FE6-8DCC-43BA9D9634A1}" srcOrd="0" destOrd="0" presId="urn:diagrams.loki3.com/VaryingWidthList"/>
-    <dgm:cxn modelId="{7CAEADB7-B12A-4DF6-A7D0-9F79853A4DD1}" type="presOf" srcId="{659BF785-2990-4A69-BE7F-86C993F88294}" destId="{8890A8DC-C593-4BE4-907A-C129C5B40714}" srcOrd="0" destOrd="0" presId="urn:diagrams.loki3.com/VaryingWidthList"/>
-    <dgm:cxn modelId="{C3BB09B6-F273-4B04-BDF6-6809D70368E0}" type="presOf" srcId="{75A63CD0-13AD-4109-9444-D0E2F9091931}" destId="{8FF26A96-A7CF-4EA3-AC17-51451297606B}" srcOrd="0" destOrd="0" presId="urn:diagrams.loki3.com/VaryingWidthList"/>
     <dgm:cxn modelId="{703A4510-250A-4A5E-97DB-74A20CE86A87}" srcId="{659BF785-2990-4A69-BE7F-86C993F88294}" destId="{75A63CD0-13AD-4109-9444-D0E2F9091931}" srcOrd="0" destOrd="0" parTransId="{0F375B34-60A4-44C1-80C8-C0F4C7F212AB}" sibTransId="{75BF1DBB-9B51-4608-BA5C-63FAF9145266}"/>
     <dgm:cxn modelId="{39B36175-004F-44A0-B9B2-DC63A4B356E5}" srcId="{659BF785-2990-4A69-BE7F-86C993F88294}" destId="{4E5E3BFF-BEC4-4DFC-BFE0-6190ED75B682}" srcOrd="1" destOrd="0" parTransId="{F0337BF9-715E-4B70-B8E6-FF72E2607AA4}" sibTransId="{C62266A7-75B0-4843-B636-30BE81CD7EE7}"/>
     <dgm:cxn modelId="{DE847A59-7971-4637-940E-85F9709B7282}" srcId="{659BF785-2990-4A69-BE7F-86C993F88294}" destId="{31B67AD8-BD34-47A1-B41A-01FB99139699}" srcOrd="2" destOrd="0" parTransId="{B934B28F-21B5-4DBD-81D5-47436E455C43}" sibTransId="{C741B5D1-68A4-4766-AFDE-2E36C1F524A1}"/>
     <dgm:cxn modelId="{0D4E54B5-0F81-4A4F-8860-040EFE3A52D9}" type="presOf" srcId="{31B67AD8-BD34-47A1-B41A-01FB99139699}" destId="{90E73063-CE58-453A-B700-A9498B91D6E5}" srcOrd="0" destOrd="0" presId="urn:diagrams.loki3.com/VaryingWidthList"/>
+    <dgm:cxn modelId="{C3BB09B6-F273-4B04-BDF6-6809D70368E0}" type="presOf" srcId="{75A63CD0-13AD-4109-9444-D0E2F9091931}" destId="{8FF26A96-A7CF-4EA3-AC17-51451297606B}" srcOrd="0" destOrd="0" presId="urn:diagrams.loki3.com/VaryingWidthList"/>
+    <dgm:cxn modelId="{7CAEADB7-B12A-4DF6-A7D0-9F79853A4DD1}" type="presOf" srcId="{659BF785-2990-4A69-BE7F-86C993F88294}" destId="{8890A8DC-C593-4BE4-907A-C129C5B40714}" srcOrd="0" destOrd="0" presId="urn:diagrams.loki3.com/VaryingWidthList"/>
+    <dgm:cxn modelId="{BD25DDC7-B9BA-4549-AE3F-E2CFE61842D4}" type="presOf" srcId="{4E5E3BFF-BEC4-4DFC-BFE0-6190ED75B682}" destId="{CCEA2E33-D919-4FE6-8DCC-43BA9D9634A1}" srcOrd="0" destOrd="0" presId="urn:diagrams.loki3.com/VaryingWidthList"/>
     <dgm:cxn modelId="{59A37C3E-2BBD-46EE-8185-1AD275E7DF70}" type="presParOf" srcId="{8890A8DC-C593-4BE4-907A-C129C5B40714}" destId="{8FF26A96-A7CF-4EA3-AC17-51451297606B}" srcOrd="0" destOrd="0" presId="urn:diagrams.loki3.com/VaryingWidthList"/>
     <dgm:cxn modelId="{A11A68EC-F403-4E33-9C8C-FD98FE892F84}" type="presParOf" srcId="{8890A8DC-C593-4BE4-907A-C129C5B40714}" destId="{AE86A324-391A-43AB-A159-A92AA72EA238}" srcOrd="1" destOrd="0" presId="urn:diagrams.loki3.com/VaryingWidthList"/>
     <dgm:cxn modelId="{A04620CC-05DE-4D09-B670-A51572B748DB}" type="presParOf" srcId="{8890A8DC-C593-4BE4-907A-C129C5B40714}" destId="{CCEA2E33-D919-4FE6-8DCC-43BA9D9634A1}" srcOrd="2" destOrd="0" presId="urn:diagrams.loki3.com/VaryingWidthList"/>
@@ -4824,7 +4832,7 @@
           <a:p>
             <a:fld id="{1CEBB3CE-4CAC-4E51-B257-88F0CACB78A6}" type="datetimeFigureOut">
               <a:rPr lang="en-US" smtClean="0"/>
-              <a:t>8/12/2016</a:t>
+              <a:t>11/2/2017</a:t>
             </a:fld>
             <a:endParaRPr lang="en-US"/>
           </a:p>
@@ -4919,7 +4927,6 @@
               <a:rPr lang="en-US"/>
               <a:t>Fifth level</a:t>
             </a:r>
-            <a:endParaRPr lang="en-US"/>
           </a:p>
         </p:txBody>
       </p:sp>
@@ -5261,12 +5268,6 @@
               </a:rPr>
               <a:t>20532C</a:t>
             </a:r>
-            <a:endParaRPr lang="en-US" sz="1200">
-              <a:solidFill>
-                <a:srgbClr val="000000"/>
-              </a:solidFill>
-              <a:latin typeface="Arial" panose="020B0604020202020204" pitchFamily="34" charset="0"/>
-            </a:endParaRPr>
           </a:p>
         </p:txBody>
       </p:sp>
@@ -5341,12 +5342,6 @@
               </a:rPr>
               <a:t>10: Securing Azure Web Applications</a:t>
             </a:r>
-            <a:endParaRPr lang="en-US" sz="1200">
-              <a:solidFill>
-                <a:srgbClr val="336699"/>
-              </a:solidFill>
-              <a:latin typeface="Arial" panose="020B0604020202020204" pitchFamily="34" charset="0"/>
-            </a:endParaRPr>
           </a:p>
         </p:txBody>
       </p:sp>
@@ -5392,8 +5387,8 @@
         </p:nvSpPr>
         <p:spPr>
           <a:xfrm>
-            <a:off x="4325112" y="73152"/>
-            <a:ext cx="2468880" cy="1851660"/>
+            <a:off x="4325938" y="73025"/>
+            <a:ext cx="2466975" cy="1851025"/>
           </a:xfrm>
         </p:spPr>
       </p:sp>
@@ -5532,12 +5527,6 @@
               </a:rPr>
               <a:t>20532C</a:t>
             </a:r>
-            <a:endParaRPr lang="en-US" sz="1200">
-              <a:solidFill>
-                <a:srgbClr val="000000"/>
-              </a:solidFill>
-              <a:latin typeface="Arial" panose="020B0604020202020204" pitchFamily="34" charset="0"/>
-            </a:endParaRPr>
           </a:p>
         </p:txBody>
       </p:sp>
@@ -5612,12 +5601,6 @@
               </a:rPr>
               <a:t>10: Securing Azure Web Applications</a:t>
             </a:r>
-            <a:endParaRPr lang="en-US" sz="1200">
-              <a:solidFill>
-                <a:srgbClr val="336699"/>
-              </a:solidFill>
-              <a:latin typeface="Arial" panose="020B0604020202020204" pitchFamily="34" charset="0"/>
-            </a:endParaRPr>
           </a:p>
         </p:txBody>
       </p:sp>
@@ -5803,12 +5786,6 @@
               </a:rPr>
               <a:t>20532C</a:t>
             </a:r>
-            <a:endParaRPr lang="en-US" sz="1200">
-              <a:solidFill>
-                <a:srgbClr val="000000"/>
-              </a:solidFill>
-              <a:latin typeface="Arial" panose="020B0604020202020204" pitchFamily="34" charset="0"/>
-            </a:endParaRPr>
           </a:p>
         </p:txBody>
       </p:sp>
@@ -5883,12 +5860,6 @@
               </a:rPr>
               <a:t>10: Securing Azure Web Applications</a:t>
             </a:r>
-            <a:endParaRPr lang="en-US" sz="1200">
-              <a:solidFill>
-                <a:srgbClr val="336699"/>
-              </a:solidFill>
-              <a:latin typeface="Arial" panose="020B0604020202020204" pitchFamily="34" charset="0"/>
-            </a:endParaRPr>
           </a:p>
         </p:txBody>
       </p:sp>
@@ -6074,12 +6045,6 @@
               </a:rPr>
               <a:t>20532C</a:t>
             </a:r>
-            <a:endParaRPr lang="en-US" sz="1200">
-              <a:solidFill>
-                <a:srgbClr val="000000"/>
-              </a:solidFill>
-              <a:latin typeface="Arial" panose="020B0604020202020204" pitchFamily="34" charset="0"/>
-            </a:endParaRPr>
           </a:p>
         </p:txBody>
       </p:sp>
@@ -6154,12 +6119,6 @@
               </a:rPr>
               <a:t>10: Securing Azure Web Applications</a:t>
             </a:r>
-            <a:endParaRPr lang="en-US" sz="1200">
-              <a:solidFill>
-                <a:srgbClr val="336699"/>
-              </a:solidFill>
-              <a:latin typeface="Arial" panose="020B0604020202020204" pitchFamily="34" charset="0"/>
-            </a:endParaRPr>
           </a:p>
         </p:txBody>
       </p:sp>
@@ -6345,12 +6304,6 @@
               </a:rPr>
               <a:t>20532C</a:t>
             </a:r>
-            <a:endParaRPr lang="en-US" sz="1200">
-              <a:solidFill>
-                <a:srgbClr val="000000"/>
-              </a:solidFill>
-              <a:latin typeface="Arial" panose="020B0604020202020204" pitchFamily="34" charset="0"/>
-            </a:endParaRPr>
           </a:p>
         </p:txBody>
       </p:sp>
@@ -6425,12 +6378,6 @@
               </a:rPr>
               <a:t>10: Securing Azure Web Applications</a:t>
             </a:r>
-            <a:endParaRPr lang="en-US" sz="1200">
-              <a:solidFill>
-                <a:srgbClr val="336699"/>
-              </a:solidFill>
-              <a:latin typeface="Arial" panose="020B0604020202020204" pitchFamily="34" charset="0"/>
-            </a:endParaRPr>
           </a:p>
         </p:txBody>
       </p:sp>
@@ -6634,12 +6581,6 @@
               </a:rPr>
               <a:t>20532C</a:t>
             </a:r>
-            <a:endParaRPr lang="en-US" sz="1200">
-              <a:solidFill>
-                <a:srgbClr val="000000"/>
-              </a:solidFill>
-              <a:latin typeface="Arial" panose="020B0604020202020204" pitchFamily="34" charset="0"/>
-            </a:endParaRPr>
           </a:p>
         </p:txBody>
       </p:sp>
@@ -6714,12 +6655,6 @@
               </a:rPr>
               <a:t>10: Securing Azure Web Applications</a:t>
             </a:r>
-            <a:endParaRPr lang="en-US" sz="1200">
-              <a:solidFill>
-                <a:srgbClr val="336699"/>
-              </a:solidFill>
-              <a:latin typeface="Arial" panose="020B0604020202020204" pitchFamily="34" charset="0"/>
-            </a:endParaRPr>
           </a:p>
         </p:txBody>
       </p:sp>
@@ -6905,12 +6840,6 @@
               </a:rPr>
               <a:t>20532C</a:t>
             </a:r>
-            <a:endParaRPr lang="en-US" sz="1200">
-              <a:solidFill>
-                <a:srgbClr val="000000"/>
-              </a:solidFill>
-              <a:latin typeface="Arial" panose="020B0604020202020204" pitchFamily="34" charset="0"/>
-            </a:endParaRPr>
           </a:p>
         </p:txBody>
       </p:sp>
@@ -6985,12 +6914,6 @@
               </a:rPr>
               <a:t>10: Securing Azure Web Applications</a:t>
             </a:r>
-            <a:endParaRPr lang="en-US" sz="1200">
-              <a:solidFill>
-                <a:srgbClr val="336699"/>
-              </a:solidFill>
-              <a:latin typeface="Arial" panose="020B0604020202020204" pitchFamily="34" charset="0"/>
-            </a:endParaRPr>
           </a:p>
         </p:txBody>
       </p:sp>
@@ -7176,12 +7099,6 @@
               </a:rPr>
               <a:t>20532C</a:t>
             </a:r>
-            <a:endParaRPr lang="en-US" sz="1200">
-              <a:solidFill>
-                <a:srgbClr val="000000"/>
-              </a:solidFill>
-              <a:latin typeface="Arial" panose="020B0604020202020204" pitchFamily="34" charset="0"/>
-            </a:endParaRPr>
           </a:p>
         </p:txBody>
       </p:sp>
@@ -7256,12 +7173,6 @@
               </a:rPr>
               <a:t>10: Securing Azure Web Applications</a:t>
             </a:r>
-            <a:endParaRPr lang="en-US" sz="1200">
-              <a:solidFill>
-                <a:srgbClr val="336699"/>
-              </a:solidFill>
-              <a:latin typeface="Arial" panose="020B0604020202020204" pitchFamily="34" charset="0"/>
-            </a:endParaRPr>
           </a:p>
         </p:txBody>
       </p:sp>
@@ -7447,12 +7358,6 @@
               </a:rPr>
               <a:t>20532C</a:t>
             </a:r>
-            <a:endParaRPr lang="en-US" sz="1200">
-              <a:solidFill>
-                <a:srgbClr val="000000"/>
-              </a:solidFill>
-              <a:latin typeface="Arial" panose="020B0604020202020204" pitchFamily="34" charset="0"/>
-            </a:endParaRPr>
           </a:p>
         </p:txBody>
       </p:sp>
@@ -7527,12 +7432,6 @@
               </a:rPr>
               <a:t>10: Securing Azure Web Applications</a:t>
             </a:r>
-            <a:endParaRPr lang="en-US" sz="1200">
-              <a:solidFill>
-                <a:srgbClr val="336699"/>
-              </a:solidFill>
-              <a:latin typeface="Arial" panose="020B0604020202020204" pitchFamily="34" charset="0"/>
-            </a:endParaRPr>
           </a:p>
         </p:txBody>
       </p:sp>
@@ -7718,12 +7617,6 @@
               </a:rPr>
               <a:t>20532C</a:t>
             </a:r>
-            <a:endParaRPr lang="en-US" sz="1200">
-              <a:solidFill>
-                <a:srgbClr val="000000"/>
-              </a:solidFill>
-              <a:latin typeface="Arial" panose="020B0604020202020204" pitchFamily="34" charset="0"/>
-            </a:endParaRPr>
           </a:p>
         </p:txBody>
       </p:sp>
@@ -7798,12 +7691,6 @@
               </a:rPr>
               <a:t>10: Securing Azure Web Applications</a:t>
             </a:r>
-            <a:endParaRPr lang="en-US" sz="1200">
-              <a:solidFill>
-                <a:srgbClr val="336699"/>
-              </a:solidFill>
-              <a:latin typeface="Arial" panose="020B0604020202020204" pitchFamily="34" charset="0"/>
-            </a:endParaRPr>
           </a:p>
         </p:txBody>
       </p:sp>
@@ -7974,12 +7861,6 @@
               </a:rPr>
               <a:t>20532C</a:t>
             </a:r>
-            <a:endParaRPr lang="en-US" sz="1200">
-              <a:solidFill>
-                <a:srgbClr val="000000"/>
-              </a:solidFill>
-              <a:latin typeface="Arial" panose="020B0604020202020204" pitchFamily="34" charset="0"/>
-            </a:endParaRPr>
           </a:p>
         </p:txBody>
       </p:sp>
@@ -8054,12 +7935,6 @@
               </a:rPr>
               <a:t>10: Securing Azure Web Applications</a:t>
             </a:r>
-            <a:endParaRPr lang="en-US" sz="1200">
-              <a:solidFill>
-                <a:srgbClr val="336699"/>
-              </a:solidFill>
-              <a:latin typeface="Arial" panose="020B0604020202020204" pitchFamily="34" charset="0"/>
-            </a:endParaRPr>
           </a:p>
         </p:txBody>
       </p:sp>
@@ -8245,12 +8120,6 @@
               </a:rPr>
               <a:t>20532C</a:t>
             </a:r>
-            <a:endParaRPr lang="en-US" sz="1200">
-              <a:solidFill>
-                <a:srgbClr val="000000"/>
-              </a:solidFill>
-              <a:latin typeface="Arial" panose="020B0604020202020204" pitchFamily="34" charset="0"/>
-            </a:endParaRPr>
           </a:p>
         </p:txBody>
       </p:sp>
@@ -8325,12 +8194,6 @@
               </a:rPr>
               <a:t>10: Securing Azure Web Applications</a:t>
             </a:r>
-            <a:endParaRPr lang="en-US" sz="1200">
-              <a:solidFill>
-                <a:srgbClr val="336699"/>
-              </a:solidFill>
-              <a:latin typeface="Arial" panose="020B0604020202020204" pitchFamily="34" charset="0"/>
-            </a:endParaRPr>
           </a:p>
         </p:txBody>
       </p:sp>
@@ -8712,12 +8575,6 @@
               </a:rPr>
               <a:t>20532C</a:t>
             </a:r>
-            <a:endParaRPr lang="en-US" sz="1200">
-              <a:solidFill>
-                <a:srgbClr val="000000"/>
-              </a:solidFill>
-              <a:latin typeface="Arial" panose="020B0604020202020204" pitchFamily="34" charset="0"/>
-            </a:endParaRPr>
           </a:p>
         </p:txBody>
       </p:sp>
@@ -8792,12 +8649,6 @@
               </a:rPr>
               <a:t>10: Securing Azure Web Applications</a:t>
             </a:r>
-            <a:endParaRPr lang="en-US" sz="1200">
-              <a:solidFill>
-                <a:srgbClr val="336699"/>
-              </a:solidFill>
-              <a:latin typeface="Arial" panose="020B0604020202020204" pitchFamily="34" charset="0"/>
-            </a:endParaRPr>
           </a:p>
         </p:txBody>
       </p:sp>
@@ -9096,12 +8947,6 @@
               </a:rPr>
               <a:t>20532C</a:t>
             </a:r>
-            <a:endParaRPr lang="en-US" sz="1200">
-              <a:solidFill>
-                <a:srgbClr val="000000"/>
-              </a:solidFill>
-              <a:latin typeface="Arial" panose="020B0604020202020204" pitchFamily="34" charset="0"/>
-            </a:endParaRPr>
           </a:p>
         </p:txBody>
       </p:sp>
@@ -9176,12 +9021,6 @@
               </a:rPr>
               <a:t>10: Securing Azure Web Applications</a:t>
             </a:r>
-            <a:endParaRPr lang="en-US" sz="1200">
-              <a:solidFill>
-                <a:srgbClr val="336699"/>
-              </a:solidFill>
-              <a:latin typeface="Arial" panose="020B0604020202020204" pitchFamily="34" charset="0"/>
-            </a:endParaRPr>
           </a:p>
         </p:txBody>
       </p:sp>
@@ -9541,12 +9380,6 @@
               </a:rPr>
               <a:t>20532C</a:t>
             </a:r>
-            <a:endParaRPr lang="en-US" sz="1200">
-              <a:solidFill>
-                <a:srgbClr val="000000"/>
-              </a:solidFill>
-              <a:latin typeface="Arial" panose="020B0604020202020204" pitchFamily="34" charset="0"/>
-            </a:endParaRPr>
           </a:p>
         </p:txBody>
       </p:sp>
@@ -9621,12 +9454,6 @@
               </a:rPr>
               <a:t>10: Securing Azure Web Applications</a:t>
             </a:r>
-            <a:endParaRPr lang="en-US" sz="1200">
-              <a:solidFill>
-                <a:srgbClr val="336699"/>
-              </a:solidFill>
-              <a:latin typeface="Arial" panose="020B0604020202020204" pitchFamily="34" charset="0"/>
-            </a:endParaRPr>
           </a:p>
         </p:txBody>
       </p:sp>
@@ -9812,12 +9639,6 @@
               </a:rPr>
               <a:t>20532C</a:t>
             </a:r>
-            <a:endParaRPr lang="en-US" sz="1200">
-              <a:solidFill>
-                <a:srgbClr val="000000"/>
-              </a:solidFill>
-              <a:latin typeface="Arial" panose="020B0604020202020204" pitchFamily="34" charset="0"/>
-            </a:endParaRPr>
           </a:p>
         </p:txBody>
       </p:sp>
@@ -9892,12 +9713,6 @@
               </a:rPr>
               <a:t>10: Securing Azure Web Applications</a:t>
             </a:r>
-            <a:endParaRPr lang="en-US" sz="1200">
-              <a:solidFill>
-                <a:srgbClr val="336699"/>
-              </a:solidFill>
-              <a:latin typeface="Arial" panose="020B0604020202020204" pitchFamily="34" charset="0"/>
-            </a:endParaRPr>
           </a:p>
         </p:txBody>
       </p:sp>
@@ -10083,12 +9898,6 @@
               </a:rPr>
               <a:t>20532C</a:t>
             </a:r>
-            <a:endParaRPr lang="en-US" sz="1200">
-              <a:solidFill>
-                <a:srgbClr val="000000"/>
-              </a:solidFill>
-              <a:latin typeface="Arial" panose="020B0604020202020204" pitchFamily="34" charset="0"/>
-            </a:endParaRPr>
           </a:p>
         </p:txBody>
       </p:sp>
@@ -10163,12 +9972,6 @@
               </a:rPr>
               <a:t>10: Securing Azure Web Applications</a:t>
             </a:r>
-            <a:endParaRPr lang="en-US" sz="1200">
-              <a:solidFill>
-                <a:srgbClr val="336699"/>
-              </a:solidFill>
-              <a:latin typeface="Arial" panose="020B0604020202020204" pitchFamily="34" charset="0"/>
-            </a:endParaRPr>
           </a:p>
         </p:txBody>
       </p:sp>
@@ -10214,8 +10017,8 @@
         </p:nvSpPr>
         <p:spPr>
           <a:xfrm>
-            <a:off x="4325112" y="73152"/>
-            <a:ext cx="2468880" cy="1851660"/>
+            <a:off x="4325938" y="73025"/>
+            <a:ext cx="2466975" cy="1851025"/>
           </a:xfrm>
         </p:spPr>
       </p:sp>
@@ -10354,12 +10157,6 @@
               </a:rPr>
               <a:t>20532C</a:t>
             </a:r>
-            <a:endParaRPr lang="en-US" sz="1200">
-              <a:solidFill>
-                <a:srgbClr val="000000"/>
-              </a:solidFill>
-              <a:latin typeface="Arial" panose="020B0604020202020204" pitchFamily="34" charset="0"/>
-            </a:endParaRPr>
           </a:p>
         </p:txBody>
       </p:sp>
@@ -10434,12 +10231,6 @@
               </a:rPr>
               <a:t>10: Securing Azure Web Applications</a:t>
             </a:r>
-            <a:endParaRPr lang="en-US" sz="1200">
-              <a:solidFill>
-                <a:srgbClr val="336699"/>
-              </a:solidFill>
-              <a:latin typeface="Arial" panose="020B0604020202020204" pitchFamily="34" charset="0"/>
-            </a:endParaRPr>
           </a:p>
         </p:txBody>
       </p:sp>
@@ -10485,8 +10276,8 @@
         </p:nvSpPr>
         <p:spPr>
           <a:xfrm>
-            <a:off x="4325112" y="73152"/>
-            <a:ext cx="2468880" cy="1851660"/>
+            <a:off x="4325938" y="73025"/>
+            <a:ext cx="2466975" cy="1851025"/>
           </a:xfrm>
         </p:spPr>
       </p:sp>
@@ -10625,12 +10416,6 @@
               </a:rPr>
               <a:t>20532C</a:t>
             </a:r>
-            <a:endParaRPr lang="en-US" sz="1200">
-              <a:solidFill>
-                <a:srgbClr val="000000"/>
-              </a:solidFill>
-              <a:latin typeface="Arial" panose="020B0604020202020204" pitchFamily="34" charset="0"/>
-            </a:endParaRPr>
           </a:p>
         </p:txBody>
       </p:sp>
@@ -10705,12 +10490,6 @@
               </a:rPr>
               <a:t>10: Securing Azure Web Applications</a:t>
             </a:r>
-            <a:endParaRPr lang="en-US" sz="1200">
-              <a:solidFill>
-                <a:srgbClr val="336699"/>
-              </a:solidFill>
-              <a:latin typeface="Arial" panose="020B0604020202020204" pitchFamily="34" charset="0"/>
-            </a:endParaRPr>
           </a:p>
         </p:txBody>
       </p:sp>
@@ -10896,12 +10675,6 @@
               </a:rPr>
               <a:t>20532C</a:t>
             </a:r>
-            <a:endParaRPr lang="en-US" sz="1200">
-              <a:solidFill>
-                <a:srgbClr val="000000"/>
-              </a:solidFill>
-              <a:latin typeface="Arial" panose="020B0604020202020204" pitchFamily="34" charset="0"/>
-            </a:endParaRPr>
           </a:p>
         </p:txBody>
       </p:sp>
@@ -10976,12 +10749,6 @@
               </a:rPr>
               <a:t>10: Securing Azure Web Applications</a:t>
             </a:r>
-            <a:endParaRPr lang="en-US" sz="1200">
-              <a:solidFill>
-                <a:srgbClr val="336699"/>
-              </a:solidFill>
-              <a:latin typeface="Arial" panose="020B0604020202020204" pitchFamily="34" charset="0"/>
-            </a:endParaRPr>
           </a:p>
         </p:txBody>
       </p:sp>
@@ -11167,12 +10934,6 @@
               </a:rPr>
               <a:t>20532C</a:t>
             </a:r>
-            <a:endParaRPr lang="en-US" sz="1200">
-              <a:solidFill>
-                <a:srgbClr val="000000"/>
-              </a:solidFill>
-              <a:latin typeface="Arial" panose="020B0604020202020204" pitchFamily="34" charset="0"/>
-            </a:endParaRPr>
           </a:p>
         </p:txBody>
       </p:sp>
@@ -11247,12 +11008,6 @@
               </a:rPr>
               <a:t>10: Securing Azure Web Applications</a:t>
             </a:r>
-            <a:endParaRPr lang="en-US" sz="1200">
-              <a:solidFill>
-                <a:srgbClr val="336699"/>
-              </a:solidFill>
-              <a:latin typeface="Arial" panose="020B0604020202020204" pitchFamily="34" charset="0"/>
-            </a:endParaRPr>
           </a:p>
         </p:txBody>
       </p:sp>
@@ -11699,7 +11454,6 @@
               <a:rPr lang="en-US"/>
               <a:t>Click to edit Master title style</a:t>
             </a:r>
-            <a:endParaRPr lang="en-US"/>
           </a:p>
         </p:txBody>
       </p:sp>
@@ -11751,7 +11505,6 @@
               <a:rPr lang="en-US"/>
               <a:t>Fifth level</a:t>
             </a:r>
-            <a:endParaRPr lang="en-US"/>
           </a:p>
         </p:txBody>
       </p:sp>
@@ -13872,7 +13625,6 @@
               <a:rPr lang="en-US"/>
               <a:t>Module 10</a:t>
             </a:r>
-            <a:endParaRPr lang="en-US"/>
           </a:p>
         </p:txBody>
       </p:sp>
@@ -13896,7 +13648,6 @@
               <a:t>Securing Azure Web Applications
 </a:t>
             </a:r>
-            <a:endParaRPr lang="en-US"/>
           </a:p>
         </p:txBody>
       </p:sp>
@@ -13949,7 +13700,6 @@
               <a:rPr lang="en-US"/>
               <a:t>Managing Directories (cont.)</a:t>
             </a:r>
-            <a:endParaRPr lang="en-US"/>
           </a:p>
         </p:txBody>
       </p:sp>
@@ -14275,7 +14025,6 @@
               <a:rPr lang="en-US"/>
               <a:t>Directory Users</a:t>
             </a:r>
-            <a:endParaRPr lang="en-US"/>
           </a:p>
         </p:txBody>
       </p:sp>
@@ -14624,7 +14373,6 @@
               <a:rPr lang="en-US"/>
               <a:t>Directory Users (cont.)</a:t>
             </a:r>
-            <a:endParaRPr lang="en-US"/>
           </a:p>
         </p:txBody>
       </p:sp>
@@ -14959,7 +14707,6 @@
               <a:rPr lang="en-US"/>
               <a:t>Applications in Azure AD</a:t>
             </a:r>
-            <a:endParaRPr lang="en-US"/>
           </a:p>
         </p:txBody>
       </p:sp>
@@ -15321,7 +15068,6 @@
               <a:rPr lang="en-US"/>
               <a:t>Azure AD Graph</a:t>
             </a:r>
-            <a:endParaRPr lang="en-US"/>
           </a:p>
         </p:txBody>
       </p:sp>
@@ -15681,7 +15427,6 @@
               <a:rPr lang="en-US"/>
               <a:t>Lesson 3: Azure AD Multi-Factor Authentication</a:t>
             </a:r>
-            <a:endParaRPr lang="en-US"/>
           </a:p>
         </p:txBody>
       </p:sp>
@@ -15705,7 +15450,6 @@
               <a:t>Multi-Factor Authentication
 Multi-Factor Authentication Providers</a:t>
             </a:r>
-            <a:endParaRPr lang="en-US"/>
           </a:p>
         </p:txBody>
       </p:sp>
@@ -15758,7 +15502,6 @@
               <a:rPr lang="en-US"/>
               <a:t>Multi-Factor Authentication</a:t>
             </a:r>
-            <a:endParaRPr lang="en-US"/>
           </a:p>
         </p:txBody>
       </p:sp>
@@ -16742,7 +16485,6 @@
               <a:rPr lang="en-US"/>
               <a:t>Multi-Factor Authentication Providers</a:t>
             </a:r>
-            <a:endParaRPr lang="en-US"/>
           </a:p>
         </p:txBody>
       </p:sp>
@@ -17081,7 +16823,7 @@
 </file>
 
 <file path=ppt/slides/slide18.xml><?xml version="1.0" encoding="utf-8"?>
-<p:sld xmlns:a="http://schemas.openxmlformats.org/drawingml/2006/main" xmlns:r="http://schemas.openxmlformats.org/officeDocument/2006/relationships" xmlns:p="http://schemas.openxmlformats.org/presentationml/2006/main">
+<p:sld xmlns:a="http://schemas.openxmlformats.org/drawingml/2006/main" xmlns:r="http://schemas.openxmlformats.org/officeDocument/2006/relationships" xmlns:p="http://schemas.openxmlformats.org/presentationml/2006/main" show="0">
   <p:cSld name="a78524f4-f525-4971-9089-e4c6054d3a97">
     <p:spTree>
       <p:nvGrpSpPr>
@@ -17116,7 +16858,6 @@
               <a:rPr lang="en-US"/>
               <a:t>Lab: Integrating Azure Active Directory with the Events Administration Portal</a:t>
             </a:r>
-            <a:endParaRPr lang="en-US"/>
           </a:p>
         </p:txBody>
       </p:sp>
@@ -17167,9 +16908,6 @@
               </a:rPr>
               <a:t>Estimated Time: 60 minutes</a:t>
             </a:r>
-            <a:endParaRPr lang="en-US" sz="2800">
-              <a:latin typeface="Segoe UI" panose="020B0502040204020203" pitchFamily="34" charset="0"/>
-            </a:endParaRPr>
           </a:p>
         </p:txBody>
       </p:sp>
@@ -17187,7 +16925,7 @@
 </file>
 
 <file path=ppt/slides/slide19.xml><?xml version="1.0" encoding="utf-8"?>
-<p:sld xmlns:a="http://schemas.openxmlformats.org/drawingml/2006/main" xmlns:r="http://schemas.openxmlformats.org/officeDocument/2006/relationships" xmlns:p="http://schemas.openxmlformats.org/presentationml/2006/main">
+<p:sld xmlns:a="http://schemas.openxmlformats.org/drawingml/2006/main" xmlns:r="http://schemas.openxmlformats.org/officeDocument/2006/relationships" xmlns:p="http://schemas.openxmlformats.org/presentationml/2006/main" show="0">
   <p:cSld name="Lab Scenario860707277">
     <p:spTree>
       <p:nvGrpSpPr>
@@ -17222,7 +16960,6 @@
               <a:rPr lang="en-US"/>
               <a:t>Lab Scenario</a:t>
             </a:r>
-            <a:endParaRPr lang="en-US"/>
           </a:p>
         </p:txBody>
       </p:sp>
@@ -17322,7 +17059,6 @@
               <a:rPr lang="en-US"/>
               <a:t>Module Overview</a:t>
             </a:r>
-            <a:endParaRPr lang="en-US"/>
           </a:p>
         </p:txBody>
       </p:sp>
@@ -17347,7 +17083,6 @@
 Azure AD Directories
 Azure AD Multi-Factor Authentication</a:t>
             </a:r>
-            <a:endParaRPr lang="en-US"/>
           </a:p>
         </p:txBody>
       </p:sp>
@@ -17365,7 +17100,7 @@
 </file>
 
 <file path=ppt/slides/slide20.xml><?xml version="1.0" encoding="utf-8"?>
-<p:sld xmlns:a="http://schemas.openxmlformats.org/drawingml/2006/main" xmlns:r="http://schemas.openxmlformats.org/officeDocument/2006/relationships" xmlns:p="http://schemas.openxmlformats.org/presentationml/2006/main">
+<p:sld xmlns:a="http://schemas.openxmlformats.org/drawingml/2006/main" xmlns:r="http://schemas.openxmlformats.org/officeDocument/2006/relationships" xmlns:p="http://schemas.openxmlformats.org/presentationml/2006/main" show="0">
   <p:cSld name="bb1a7c50-b8a8-40a7-85db-59081cad6e65">
     <p:spTree>
       <p:nvGrpSpPr>
@@ -17400,7 +17135,6 @@
               <a:rPr lang="en-US"/>
               <a:t>Lab Review</a:t>
             </a:r>
-            <a:endParaRPr lang="en-US"/>
           </a:p>
         </p:txBody>
       </p:sp>
@@ -17423,7 +17157,6 @@
               <a:rPr lang="en-US"/>
               <a:t>What other identity providers could you use with ASP.NET Identity?</a:t>
             </a:r>
-            <a:endParaRPr lang="en-US"/>
           </a:p>
         </p:txBody>
       </p:sp>
@@ -17476,7 +17209,6 @@
               <a:rPr lang="en-US"/>
               <a:t>Module Review and Takeaways</a:t>
             </a:r>
-            <a:endParaRPr lang="en-US"/>
           </a:p>
         </p:txBody>
       </p:sp>
@@ -17500,7 +17232,6 @@
               <a:t>Review Question(s)
 Note</a:t>
             </a:r>
-            <a:endParaRPr lang="en-US"/>
           </a:p>
         </p:txBody>
       </p:sp>
@@ -17760,7 +17491,6 @@
               <a:rPr lang="en-US"/>
               <a:t>Lesson 1: Azure Active Directory</a:t>
             </a:r>
-            <a:endParaRPr lang="en-US"/>
           </a:p>
         </p:txBody>
       </p:sp>
@@ -17780,11 +17510,10 @@
           <a:lstStyle/>
           <a:p>
             <a:r>
-              <a:rPr lang="en-US"/>
+              <a:rPr lang="en-US" dirty="0"/>
               <a:t>Azure Active Directory Overview
 Azure AD Services</a:t>
             </a:r>
-            <a:endParaRPr lang="en-US"/>
           </a:p>
         </p:txBody>
       </p:sp>
@@ -17837,7 +17566,6 @@
               <a:rPr lang="en-US"/>
               <a:t>Azure Active Directory Overview</a:t>
             </a:r>
-            <a:endParaRPr lang="en-US"/>
           </a:p>
         </p:txBody>
       </p:sp>
@@ -18078,7 +17806,7 @@
           <a:p>
             <a:pPr lvl="0"/>
             <a:r>
-              <a:rPr lang="en-US" b="0" kern="0">
+              <a:rPr lang="en-US" b="0" kern="0" dirty="0">
                 <a:solidFill>
                   <a:srgbClr val="000000"/>
                 </a:solidFill>
@@ -18089,7 +17817,7 @@
           <a:p>
             <a:pPr lvl="1"/>
             <a:r>
-              <a:rPr lang="en-US" b="0" kern="0">
+              <a:rPr lang="en-US" b="0" kern="0" dirty="0">
                 <a:solidFill>
                   <a:srgbClr val="000000"/>
                 </a:solidFill>
@@ -18100,7 +17828,7 @@
           <a:p>
             <a:pPr lvl="0"/>
             <a:r>
-              <a:rPr lang="en-US" b="0" kern="0">
+              <a:rPr lang="en-US" b="0" kern="0" dirty="0">
                 <a:solidFill>
                   <a:srgbClr val="000000"/>
                 </a:solidFill>
@@ -18111,7 +17839,7 @@
           <a:p>
             <a:pPr lvl="0"/>
             <a:r>
-              <a:rPr lang="en-US" b="0" kern="0">
+              <a:rPr lang="en-US" b="0" kern="0" dirty="0">
                 <a:solidFill>
                   <a:srgbClr val="000000"/>
                 </a:solidFill>
@@ -18122,7 +17850,7 @@
           <a:p>
             <a:pPr lvl="1"/>
             <a:r>
-              <a:rPr lang="en-US" b="0" kern="0">
+              <a:rPr lang="en-US" b="0" kern="0" dirty="0">
                 <a:solidFill>
                   <a:srgbClr val="000000"/>
                 </a:solidFill>
@@ -18133,7 +17861,7 @@
           <a:p>
             <a:pPr lvl="1"/>
             <a:r>
-              <a:rPr lang="en-US" b="0" kern="0">
+              <a:rPr lang="en-US" b="0" kern="0" dirty="0">
                 <a:solidFill>
                   <a:srgbClr val="000000"/>
                 </a:solidFill>
@@ -18144,7 +17872,7 @@
           <a:p>
             <a:pPr lvl="1"/>
             <a:r>
-              <a:rPr lang="en-US" b="0" kern="0">
+              <a:rPr lang="en-US" b="0" kern="0" dirty="0">
                 <a:solidFill>
                   <a:srgbClr val="000000"/>
                 </a:solidFill>
@@ -18155,18 +17883,13 @@
           <a:p>
             <a:pPr lvl="1"/>
             <a:r>
-              <a:rPr lang="en-US" b="0" kern="0">
+              <a:rPr lang="en-US" b="0" kern="0" dirty="0">
                 <a:solidFill>
                   <a:srgbClr val="000000"/>
                 </a:solidFill>
               </a:rPr>
               <a:t>OAuth 2.0</a:t>
             </a:r>
-            <a:endParaRPr lang="en-US" b="0" kern="0" dirty="0">
-              <a:solidFill>
-                <a:srgbClr val="000000"/>
-              </a:solidFill>
-            </a:endParaRPr>
           </a:p>
         </p:txBody>
       </p:sp>
@@ -18219,7 +17942,6 @@
               <a:rPr lang="en-US"/>
               <a:t>Azure Active Directory Overview (continued)</a:t>
             </a:r>
-            <a:endParaRPr lang="en-US"/>
           </a:p>
         </p:txBody>
       </p:sp>
@@ -18560,7 +18282,6 @@
               <a:rPr lang="en-US"/>
               <a:t>Azure Active Directory Overview (continued)</a:t>
             </a:r>
-            <a:endParaRPr lang="en-US"/>
           </a:p>
         </p:txBody>
       </p:sp>
@@ -18801,7 +18522,7 @@
           <a:p>
             <a:pPr lvl="0"/>
             <a:r>
-              <a:rPr lang="en-US" b="0" kern="0">
+              <a:rPr lang="en-US" b="0" kern="0" dirty="0">
                 <a:solidFill>
                   <a:srgbClr val="000000"/>
                 </a:solidFill>
@@ -18812,7 +18533,7 @@
           <a:p>
             <a:pPr lvl="1"/>
             <a:r>
-              <a:rPr lang="en-US" b="0" kern="0">
+              <a:rPr lang="en-US" b="0" kern="0" dirty="0">
                 <a:solidFill>
                   <a:srgbClr val="000000"/>
                 </a:solidFill>
@@ -18823,18 +18544,58 @@
           <a:p>
             <a:pPr lvl="1"/>
             <a:r>
-              <a:rPr lang="en-US" b="0" kern="0">
+              <a:rPr lang="en-US" b="0" kern="0" dirty="0">
                 <a:solidFill>
                   <a:srgbClr val="000000"/>
                 </a:solidFill>
               </a:rPr>
-              <a:t>SSO portal branding</a:t>
+              <a:t>SSO portal branding (</a:t>
+            </a:r>
+            <a:r>
+              <a:rPr lang="en-US" b="0" kern="0" dirty="0" err="1">
+                <a:solidFill>
+                  <a:srgbClr val="FF0000"/>
+                </a:solidFill>
+              </a:rPr>
+              <a:t>eget</a:t>
+            </a:r>
+            <a:r>
+              <a:rPr lang="en-US" b="0" kern="0" dirty="0">
+                <a:solidFill>
+                  <a:srgbClr val="FF0000"/>
+                </a:solidFill>
+              </a:rPr>
+              <a:t> </a:t>
+            </a:r>
+            <a:r>
+              <a:rPr lang="en-US" b="0" kern="0" dirty="0" err="1">
+                <a:solidFill>
+                  <a:srgbClr val="FF0000"/>
+                </a:solidFill>
+              </a:rPr>
+              <a:t>firma</a:t>
+            </a:r>
+            <a:r>
+              <a:rPr lang="en-US" b="0" kern="0" dirty="0">
+                <a:solidFill>
+                  <a:srgbClr val="FF0000"/>
+                </a:solidFill>
+              </a:rPr>
+              <a:t> logo</a:t>
+            </a:r>
+            <a:r>
+              <a:rPr lang="en-US" b="0" kern="0" dirty="0">
+                <a:solidFill>
+                  <a:srgbClr val="000000"/>
+                </a:solidFill>
+              </a:rPr>
+              <a:t>)</a:t>
             </a:r>
           </a:p>
           <a:p>
             <a:pPr lvl="1"/>
             <a:r>
-              <a:rPr lang="en-US" b="0" kern="0">
+              <a:rPr lang="en-US" b="0" kern="0" dirty="0">
                 <a:solidFill>
                   <a:srgbClr val="000000"/>
                 </a:solidFill>
@@ -18845,7 +18606,7 @@
           <a:p>
             <a:pPr lvl="1"/>
             <a:r>
-              <a:rPr lang="en-US" b="0" kern="0">
+              <a:rPr lang="en-US" b="0" kern="0" dirty="0">
                 <a:solidFill>
                   <a:srgbClr val="000000"/>
                 </a:solidFill>
@@ -18877,7 +18638,7 @@
 </file>
 
 <file path=ppt/slides/slide7.xml><?xml version="1.0" encoding="utf-8"?>
-<p:sld xmlns:a="http://schemas.openxmlformats.org/drawingml/2006/main" xmlns:r="http://schemas.openxmlformats.org/officeDocument/2006/relationships" xmlns:p="http://schemas.openxmlformats.org/presentationml/2006/main">
+<p:sld xmlns:a="http://schemas.openxmlformats.org/drawingml/2006/main" xmlns:r="http://schemas.openxmlformats.org/officeDocument/2006/relationships" xmlns:p="http://schemas.openxmlformats.org/presentationml/2006/main" show="0">
   <p:cSld name="3c65190f-0c8d-49bf-8479-4ff8dcef448c">
     <p:spTree>
       <p:nvGrpSpPr>
@@ -18912,7 +18673,6 @@
               <a:rPr lang="en-US"/>
               <a:t>Azure AD Services</a:t>
             </a:r>
-            <a:endParaRPr lang="en-US"/>
           </a:p>
         </p:txBody>
       </p:sp>
@@ -18989,7 +18749,6 @@
               <a:rPr lang="en-US"/>
               <a:t>Lesson 2: Azure AD Directories</a:t>
             </a:r>
-            <a:endParaRPr lang="en-US"/>
           </a:p>
         </p:txBody>
       </p:sp>
@@ -19015,7 +18774,6 @@
 Applications in Azure AD
 Azure AD Graph</a:t>
             </a:r>
-            <a:endParaRPr lang="en-US"/>
           </a:p>
         </p:txBody>
       </p:sp>
@@ -19068,7 +18826,6 @@
               <a:rPr lang="en-US"/>
               <a:t>Managing Directories</a:t>
             </a:r>
-            <a:endParaRPr lang="en-US"/>
           </a:p>
         </p:txBody>
       </p:sp>
